--- a/k8s/NetApp-LOD/modi-3-tier.pptx
+++ b/k8s/NetApp-LOD/modi-3-tier.pptx
@@ -261,7 +261,7 @@
           <a:p>
             <a:fld id="{BC0EEE4D-496C-EA49-899C-6622C28627A8}" type="datetimeFigureOut">
               <a:rPr lang="en-US" smtClean="0"/>
-              <a:t>3/21/23</a:t>
+              <a:t>4/13/23</a:t>
             </a:fld>
             <a:endParaRPr lang="en-US"/>
           </a:p>
@@ -461,7 +461,7 @@
           <a:p>
             <a:fld id="{BC0EEE4D-496C-EA49-899C-6622C28627A8}" type="datetimeFigureOut">
               <a:rPr lang="en-US" smtClean="0"/>
-              <a:t>3/21/23</a:t>
+              <a:t>4/13/23</a:t>
             </a:fld>
             <a:endParaRPr lang="en-US"/>
           </a:p>
@@ -671,7 +671,7 @@
           <a:p>
             <a:fld id="{BC0EEE4D-496C-EA49-899C-6622C28627A8}" type="datetimeFigureOut">
               <a:rPr lang="en-US" smtClean="0"/>
-              <a:t>3/21/23</a:t>
+              <a:t>4/13/23</a:t>
             </a:fld>
             <a:endParaRPr lang="en-US"/>
           </a:p>
@@ -871,7 +871,7 @@
           <a:p>
             <a:fld id="{BC0EEE4D-496C-EA49-899C-6622C28627A8}" type="datetimeFigureOut">
               <a:rPr lang="en-US" smtClean="0"/>
-              <a:t>3/21/23</a:t>
+              <a:t>4/13/23</a:t>
             </a:fld>
             <a:endParaRPr lang="en-US"/>
           </a:p>
@@ -1147,7 +1147,7 @@
           <a:p>
             <a:fld id="{BC0EEE4D-496C-EA49-899C-6622C28627A8}" type="datetimeFigureOut">
               <a:rPr lang="en-US" smtClean="0"/>
-              <a:t>3/21/23</a:t>
+              <a:t>4/13/23</a:t>
             </a:fld>
             <a:endParaRPr lang="en-US"/>
           </a:p>
@@ -1415,7 +1415,7 @@
           <a:p>
             <a:fld id="{BC0EEE4D-496C-EA49-899C-6622C28627A8}" type="datetimeFigureOut">
               <a:rPr lang="en-US" smtClean="0"/>
-              <a:t>3/21/23</a:t>
+              <a:t>4/13/23</a:t>
             </a:fld>
             <a:endParaRPr lang="en-US"/>
           </a:p>
@@ -1830,7 +1830,7 @@
           <a:p>
             <a:fld id="{BC0EEE4D-496C-EA49-899C-6622C28627A8}" type="datetimeFigureOut">
               <a:rPr lang="en-US" smtClean="0"/>
-              <a:t>3/21/23</a:t>
+              <a:t>4/13/23</a:t>
             </a:fld>
             <a:endParaRPr lang="en-US"/>
           </a:p>
@@ -1972,7 +1972,7 @@
           <a:p>
             <a:fld id="{BC0EEE4D-496C-EA49-899C-6622C28627A8}" type="datetimeFigureOut">
               <a:rPr lang="en-US" smtClean="0"/>
-              <a:t>3/21/23</a:t>
+              <a:t>4/13/23</a:t>
             </a:fld>
             <a:endParaRPr lang="en-US"/>
           </a:p>
@@ -2085,7 +2085,7 @@
           <a:p>
             <a:fld id="{BC0EEE4D-496C-EA49-899C-6622C28627A8}" type="datetimeFigureOut">
               <a:rPr lang="en-US" smtClean="0"/>
-              <a:t>3/21/23</a:t>
+              <a:t>4/13/23</a:t>
             </a:fld>
             <a:endParaRPr lang="en-US"/>
           </a:p>
@@ -2398,7 +2398,7 @@
           <a:p>
             <a:fld id="{BC0EEE4D-496C-EA49-899C-6622C28627A8}" type="datetimeFigureOut">
               <a:rPr lang="en-US" smtClean="0"/>
-              <a:t>3/21/23</a:t>
+              <a:t>4/13/23</a:t>
             </a:fld>
             <a:endParaRPr lang="en-US"/>
           </a:p>
@@ -2687,7 +2687,7 @@
           <a:p>
             <a:fld id="{BC0EEE4D-496C-EA49-899C-6622C28627A8}" type="datetimeFigureOut">
               <a:rPr lang="en-US" smtClean="0"/>
-              <a:t>3/21/23</a:t>
+              <a:t>4/13/23</a:t>
             </a:fld>
             <a:endParaRPr lang="en-US"/>
           </a:p>
@@ -2930,7 +2930,7 @@
           <a:p>
             <a:fld id="{BC0EEE4D-496C-EA49-899C-6622C28627A8}" type="datetimeFigureOut">
               <a:rPr lang="en-US" smtClean="0"/>
-              <a:t>3/21/23</a:t>
+              <a:t>4/13/23</a:t>
             </a:fld>
             <a:endParaRPr lang="en-US"/>
           </a:p>
@@ -5378,6 +5378,9 @@
           <a:p>
             <a:r>
               <a:rPr lang="en-US" sz="1000" dirty="0">
+                <a:highlight>
+                  <a:srgbClr val="FFFF00"/>
+                </a:highlight>
                 <a:latin typeface="Courier New" panose="02070309020205020404" pitchFamily="49" charset="0"/>
                 <a:cs typeface="Courier New" panose="02070309020205020404" pitchFamily="49" charset="0"/>
               </a:rPr>
@@ -5385,6 +5388,9 @@
             </a:r>
             <a:r>
               <a:rPr lang="en-US" sz="1000" dirty="0" err="1">
+                <a:highlight>
+                  <a:srgbClr val="FFFF00"/>
+                </a:highlight>
                 <a:latin typeface="Courier New" panose="02070309020205020404" pitchFamily="49" charset="0"/>
                 <a:cs typeface="Courier New" panose="02070309020205020404" pitchFamily="49" charset="0"/>
               </a:rPr>
@@ -5392,6 +5398,9 @@
             </a:r>
             <a:r>
               <a:rPr lang="en-US" sz="1000" dirty="0">
+                <a:highlight>
+                  <a:srgbClr val="FFFF00"/>
+                </a:highlight>
                 <a:latin typeface="Courier New" panose="02070309020205020404" pitchFamily="49" charset="0"/>
                 <a:cs typeface="Courier New" panose="02070309020205020404" pitchFamily="49" charset="0"/>
               </a:rPr>
@@ -5399,12 +5408,18 @@
             </a:r>
             <a:r>
               <a:rPr lang="en-US" sz="1000" dirty="0" err="1">
+                <a:highlight>
+                  <a:srgbClr val="FFFF00"/>
+                </a:highlight>
                 <a:latin typeface="Courier New" panose="02070309020205020404" pitchFamily="49" charset="0"/>
                 <a:cs typeface="Courier New" panose="02070309020205020404" pitchFamily="49" charset="0"/>
               </a:rPr>
               <a:t>api</a:t>
             </a:r>
             <a:endParaRPr lang="en-US" sz="1000" dirty="0">
+              <a:highlight>
+                <a:srgbClr val="FFFF00"/>
+              </a:highlight>
               <a:latin typeface="Courier New" panose="02070309020205020404" pitchFamily="49" charset="0"/>
               <a:cs typeface="Courier New" panose="02070309020205020404" pitchFamily="49" charset="0"/>
             </a:endParaRPr>
@@ -5427,6 +5442,52 @@
           <a:xfrm>
             <a:off x="6030009" y="4156095"/>
             <a:ext cx="159631" cy="518323"/>
+          </a:xfrm>
+          <a:prstGeom prst="downArrow">
+            <a:avLst/>
+          </a:prstGeom>
+        </p:spPr>
+        <p:style>
+          <a:lnRef idx="2">
+            <a:schemeClr val="accent1">
+              <a:shade val="50000"/>
+            </a:schemeClr>
+          </a:lnRef>
+          <a:fillRef idx="1">
+            <a:schemeClr val="accent1"/>
+          </a:fillRef>
+          <a:effectRef idx="0">
+            <a:schemeClr val="accent1"/>
+          </a:effectRef>
+          <a:fontRef idx="minor">
+            <a:schemeClr val="lt1"/>
+          </a:fontRef>
+        </p:style>
+        <p:txBody>
+          <a:bodyPr rtlCol="0" anchor="ctr"/>
+          <a:lstStyle/>
+          <a:p>
+            <a:pPr algn="ctr"/>
+            <a:endParaRPr lang="en-US"/>
+          </a:p>
+        </p:txBody>
+      </p:sp>
+      <p:sp>
+        <p:nvSpPr>
+          <p:cNvPr id="14" name="Down Arrow 13">
+            <a:extLst>
+              <a:ext uri="{FF2B5EF4-FFF2-40B4-BE49-F238E27FC236}">
+                <a16:creationId xmlns:a16="http://schemas.microsoft.com/office/drawing/2014/main" id="{74392A39-0EB0-EE81-B666-0985624C5074}"/>
+              </a:ext>
+            </a:extLst>
+          </p:cNvPr>
+          <p:cNvSpPr/>
+          <p:nvPr/>
+        </p:nvSpPr>
+        <p:spPr>
+          <a:xfrm rot="14426114" flipH="1">
+            <a:off x="4671922" y="3621376"/>
+            <a:ext cx="205195" cy="2353237"/>
           </a:xfrm>
           <a:prstGeom prst="downArrow">
             <a:avLst/>
